--- a/templates/title_slides.pptx
+++ b/templates/title_slides.pptx
@@ -104,6 +104,11 @@
       </a:defRPr>
     </a:lvl9pPr>
   </p:defaultTextStyle>
+  <p:extLst>
+    <p:ext uri="{EFAFB233-063F-42B5-8137-9DF3F51BA10A}">
+      <p15:sldGuideLst xmlns:p15="http://schemas.microsoft.com/office/powerpoint/2012/main"/>
+    </p:ext>
+  </p:extLst>
 </p:presentation>
 </file>
 
@@ -254,7 +259,7 @@
           <a:p>
             <a:fld id="{2CBA5102-E23D-43B9-8F41-D1BC6E1F36AE}" type="datetimeFigureOut">
               <a:rPr lang="zh-CN" altLang="en-US" smtClean="0"/>
-              <a:t>2025/8/8</a:t>
+              <a:t>2025/9/4</a:t>
             </a:fld>
             <a:endParaRPr lang="zh-CN" altLang="en-US"/>
           </a:p>
@@ -452,7 +457,7 @@
           <a:p>
             <a:fld id="{2CBA5102-E23D-43B9-8F41-D1BC6E1F36AE}" type="datetimeFigureOut">
               <a:rPr lang="zh-CN" altLang="en-US" smtClean="0"/>
-              <a:t>2025/8/8</a:t>
+              <a:t>2025/9/4</a:t>
             </a:fld>
             <a:endParaRPr lang="zh-CN" altLang="en-US"/>
           </a:p>
@@ -660,7 +665,7 @@
           <a:p>
             <a:fld id="{2CBA5102-E23D-43B9-8F41-D1BC6E1F36AE}" type="datetimeFigureOut">
               <a:rPr lang="zh-CN" altLang="en-US" smtClean="0"/>
-              <a:t>2025/8/8</a:t>
+              <a:t>2025/9/4</a:t>
             </a:fld>
             <a:endParaRPr lang="zh-CN" altLang="en-US"/>
           </a:p>
@@ -734,7 +739,7 @@
 </file>
 
 <file path=ppt/slideLayouts/slideLayout12.xml><?xml version="1.0" encoding="utf-8"?>
-<p:sldLayout xmlns:a="http://schemas.openxmlformats.org/drawingml/2006/main" xmlns:r="http://schemas.openxmlformats.org/officeDocument/2006/relationships" xmlns:p="http://schemas.openxmlformats.org/presentationml/2006/main" type="tx">
+<p:sldLayout xmlns:a="http://schemas.openxmlformats.org/drawingml/2006/main" xmlns:r="http://schemas.openxmlformats.org/officeDocument/2006/relationships" xmlns:p="http://schemas.openxmlformats.org/presentationml/2006/main" userDrawn="1">
   <p:cSld name="Cover_Title with BG">
     <p:bg>
       <p:bgPr>
@@ -758,176 +763,6 @@
           <a:chExt cx="0" cy="0"/>
         </a:xfrm>
       </p:grpSpPr>
-      <p:sp>
-        <p:nvSpPr>
-          <p:cNvPr id="213" name="品牌深绿色封面 50pt"/>
-          <p:cNvSpPr txBox="1">
-            <a:spLocks noGrp="1"/>
-          </p:cNvSpPr>
-          <p:nvPr>
-            <p:ph type="body" sz="quarter" idx="21" hasCustomPrompt="1"/>
-          </p:nvPr>
-        </p:nvSpPr>
-        <p:spPr>
-          <a:xfrm>
-            <a:off x="488245" y="3209607"/>
-            <a:ext cx="5465937" cy="450851"/>
-          </a:xfrm>
-          <a:prstGeom prst="rect">
-            <a:avLst/>
-          </a:prstGeom>
-        </p:spPr>
-        <p:txBody>
-          <a:bodyPr anchor="ctr">
-            <a:noAutofit/>
-          </a:bodyPr>
-          <a:lstStyle>
-            <a:lvl1pPr marL="0" indent="0">
-              <a:lnSpc>
-                <a:spcPct val="100000"/>
-              </a:lnSpc>
-              <a:spcBef>
-                <a:spcPts val="0"/>
-              </a:spcBef>
-              <a:buClrTx/>
-              <a:buSzTx/>
-              <a:buNone/>
-              <a:defRPr sz="2500" spc="150">
-                <a:solidFill>
-                  <a:srgbClr val="FFFFFF"/>
-                </a:solidFill>
-                <a:latin typeface="理想品牌字体 2022" panose="02000500000000000000" pitchFamily="2" charset="-122"/>
-                <a:ea typeface="理想品牌字体 2022" panose="02000500000000000000" pitchFamily="2" charset="-122"/>
-                <a:cs typeface="理想品牌字体 2022" panose="02000500000000000000" pitchFamily="2" charset="-122"/>
-                <a:sym typeface="LiciumFont 2022 Bold"/>
-              </a:defRPr>
-            </a:lvl1pPr>
-          </a:lstStyle>
-          <a:p>
-            <a:r>
-              <a:rPr lang="zh-CN" altLang="en-US" dirty="0"/>
-              <a:t>主标题文字示意 </a:t>
-            </a:r>
-            <a:r>
-              <a:rPr lang="en-US" altLang="zh-CN" dirty="0"/>
-              <a:t>50</a:t>
-            </a:r>
-            <a:r>
-              <a:rPr lang="en-CN"/>
-              <a:t>pt</a:t>
-            </a:r>
-            <a:endParaRPr lang="en-CN" dirty="0"/>
-          </a:p>
-        </p:txBody>
-      </p:sp>
-      <p:sp>
-        <p:nvSpPr>
-          <p:cNvPr id="214" name="文件名称 30pt"/>
-          <p:cNvSpPr txBox="1">
-            <a:spLocks noGrp="1"/>
-          </p:cNvSpPr>
-          <p:nvPr>
-            <p:ph type="body" sz="quarter" idx="22" hasCustomPrompt="1"/>
-          </p:nvPr>
-        </p:nvSpPr>
-        <p:spPr>
-          <a:xfrm>
-            <a:off x="488245" y="2958159"/>
-            <a:ext cx="3698502" cy="292997"/>
-          </a:xfrm>
-          <a:prstGeom prst="rect">
-            <a:avLst/>
-          </a:prstGeom>
-        </p:spPr>
-        <p:txBody>
-          <a:bodyPr anchor="ctr">
-            <a:noAutofit/>
-          </a:bodyPr>
-          <a:lstStyle>
-            <a:lvl1pPr marL="0" indent="0">
-              <a:lnSpc>
-                <a:spcPct val="100000"/>
-              </a:lnSpc>
-              <a:spcBef>
-                <a:spcPts val="0"/>
-              </a:spcBef>
-              <a:buClrTx/>
-              <a:buSzTx/>
-              <a:buNone/>
-              <a:defRPr>
-                <a:solidFill>
-                  <a:srgbClr val="FFFFFF"/>
-                </a:solidFill>
-                <a:latin typeface="理想品牌字体 2022" panose="02000500000000000000" pitchFamily="2" charset="-122"/>
-                <a:ea typeface="理想品牌字体 2022" panose="02000500000000000000" pitchFamily="2" charset="-122"/>
-                <a:cs typeface="理想品牌字体 2022" panose="02000500000000000000" pitchFamily="2" charset="-122"/>
-                <a:sym typeface="LiciumFont 2022 Bold"/>
-              </a:defRPr>
-            </a:lvl1pPr>
-          </a:lstStyle>
-          <a:p>
-            <a:r>
-              <a:rPr lang="en-CN" dirty="0"/>
-              <a:t>副标题文字示意</a:t>
-            </a:r>
-            <a:r>
-              <a:rPr dirty="0"/>
-              <a:t> 30pt</a:t>
-            </a:r>
-          </a:p>
-        </p:txBody>
-      </p:sp>
-      <p:sp>
-        <p:nvSpPr>
-          <p:cNvPr id="215" name="YYYY MM DD 22.5pt"/>
-          <p:cNvSpPr txBox="1">
-            <a:spLocks noGrp="1"/>
-          </p:cNvSpPr>
-          <p:nvPr>
-            <p:ph type="body" sz="quarter" idx="23"/>
-          </p:nvPr>
-        </p:nvSpPr>
-        <p:spPr>
-          <a:xfrm>
-            <a:off x="488245" y="3713663"/>
-            <a:ext cx="3698502" cy="173124"/>
-          </a:xfrm>
-          <a:prstGeom prst="rect">
-            <a:avLst/>
-          </a:prstGeom>
-        </p:spPr>
-        <p:txBody>
-          <a:bodyPr anchor="ctr">
-            <a:spAutoFit/>
-          </a:bodyPr>
-          <a:lstStyle>
-            <a:lvl1pPr marL="0" indent="0">
-              <a:lnSpc>
-                <a:spcPct val="100000"/>
-              </a:lnSpc>
-              <a:spcBef>
-                <a:spcPts val="0"/>
-              </a:spcBef>
-              <a:buClrTx/>
-              <a:buSzTx/>
-              <a:buNone/>
-              <a:defRPr sz="1125" spc="68">
-                <a:solidFill>
-                  <a:srgbClr val="FFFFFF"/>
-                </a:solidFill>
-                <a:latin typeface="理想品牌字体 2022" panose="02000500000000000000" pitchFamily="2" charset="-122"/>
-                <a:ea typeface="理想品牌字体 2022" panose="02000500000000000000" pitchFamily="2" charset="-122"/>
-                <a:cs typeface="理想品牌字体 2022" panose="02000500000000000000" pitchFamily="2" charset="-122"/>
-              </a:defRPr>
-            </a:lvl1pPr>
-          </a:lstStyle>
-          <a:p>
-            <a:r>
-              <a:t>YYYY MM DD 22.5pt</a:t>
-            </a:r>
-          </a:p>
-        </p:txBody>
-      </p:sp>
       <p:pic>
         <p:nvPicPr>
           <p:cNvPr id="37" name="图片 36">
@@ -1108,7 +943,7 @@
           <a:p>
             <a:fld id="{2CBA5102-E23D-43B9-8F41-D1BC6E1F36AE}" type="datetimeFigureOut">
               <a:rPr lang="zh-CN" altLang="en-US" smtClean="0"/>
-              <a:t>2025/8/8</a:t>
+              <a:t>2025/9/4</a:t>
             </a:fld>
             <a:endParaRPr lang="zh-CN" altLang="en-US"/>
           </a:p>
@@ -1383,7 +1218,7 @@
           <a:p>
             <a:fld id="{2CBA5102-E23D-43B9-8F41-D1BC6E1F36AE}" type="datetimeFigureOut">
               <a:rPr lang="zh-CN" altLang="en-US" smtClean="0"/>
-              <a:t>2025/8/8</a:t>
+              <a:t>2025/9/4</a:t>
             </a:fld>
             <a:endParaRPr lang="zh-CN" altLang="en-US"/>
           </a:p>
@@ -1648,7 +1483,7 @@
           <a:p>
             <a:fld id="{2CBA5102-E23D-43B9-8F41-D1BC6E1F36AE}" type="datetimeFigureOut">
               <a:rPr lang="zh-CN" altLang="en-US" smtClean="0"/>
-              <a:t>2025/8/8</a:t>
+              <a:t>2025/9/4</a:t>
             </a:fld>
             <a:endParaRPr lang="zh-CN" altLang="en-US"/>
           </a:p>
@@ -2060,7 +1895,7 @@
           <a:p>
             <a:fld id="{2CBA5102-E23D-43B9-8F41-D1BC6E1F36AE}" type="datetimeFigureOut">
               <a:rPr lang="zh-CN" altLang="en-US" smtClean="0"/>
-              <a:t>2025/8/8</a:t>
+              <a:t>2025/9/4</a:t>
             </a:fld>
             <a:endParaRPr lang="zh-CN" altLang="en-US"/>
           </a:p>
@@ -2201,7 +2036,7 @@
           <a:p>
             <a:fld id="{2CBA5102-E23D-43B9-8F41-D1BC6E1F36AE}" type="datetimeFigureOut">
               <a:rPr lang="zh-CN" altLang="en-US" smtClean="0"/>
-              <a:t>2025/8/8</a:t>
+              <a:t>2025/9/4</a:t>
             </a:fld>
             <a:endParaRPr lang="zh-CN" altLang="en-US"/>
           </a:p>
@@ -2314,7 +2149,7 @@
           <a:p>
             <a:fld id="{2CBA5102-E23D-43B9-8F41-D1BC6E1F36AE}" type="datetimeFigureOut">
               <a:rPr lang="zh-CN" altLang="en-US" smtClean="0"/>
-              <a:t>2025/8/8</a:t>
+              <a:t>2025/9/4</a:t>
             </a:fld>
             <a:endParaRPr lang="zh-CN" altLang="en-US"/>
           </a:p>
@@ -2625,7 +2460,7 @@
           <a:p>
             <a:fld id="{2CBA5102-E23D-43B9-8F41-D1BC6E1F36AE}" type="datetimeFigureOut">
               <a:rPr lang="zh-CN" altLang="en-US" smtClean="0"/>
-              <a:t>2025/8/8</a:t>
+              <a:t>2025/9/4</a:t>
             </a:fld>
             <a:endParaRPr lang="zh-CN" altLang="en-US"/>
           </a:p>
@@ -2913,7 +2748,7 @@
           <a:p>
             <a:fld id="{2CBA5102-E23D-43B9-8F41-D1BC6E1F36AE}" type="datetimeFigureOut">
               <a:rPr lang="zh-CN" altLang="en-US" smtClean="0"/>
-              <a:t>2025/8/8</a:t>
+              <a:t>2025/9/4</a:t>
             </a:fld>
             <a:endParaRPr lang="zh-CN" altLang="en-US"/>
           </a:p>
@@ -3154,7 +2989,7 @@
           <a:p>
             <a:fld id="{2CBA5102-E23D-43B9-8F41-D1BC6E1F36AE}" type="datetimeFigureOut">
               <a:rPr lang="zh-CN" altLang="en-US" smtClean="0"/>
-              <a:t>2025/8/8</a:t>
+              <a:t>2025/9/4</a:t>
             </a:fld>
             <a:endParaRPr lang="zh-CN" altLang="en-US"/>
           </a:p>
@@ -3585,50 +3420,79 @@
             <a:spLocks noGrp="1"/>
           </p:cNvSpPr>
           <p:nvPr>
-            <p:ph type="body" sz="quarter" idx="21"/>
-          </p:nvPr>
-        </p:nvSpPr>
-        <p:spPr/>
-        <p:txBody>
-          <a:bodyPr/>
-          <a:lstStyle/>
-          <a:p>
-            <a:r>
-              <a:rPr lang="en-US" altLang="zh-CN" dirty="0"/>
-              <a:t>Europe First Strategy</a:t>
-            </a:r>
-          </a:p>
-        </p:txBody>
-      </p:sp>
-      <p:sp>
-        <p:nvSpPr>
-          <p:cNvPr id="5" name="文本占位符 4">
-            <a:extLst>
-              <a:ext uri="{FF2B5EF4-FFF2-40B4-BE49-F238E27FC236}">
-                <a16:creationId xmlns:a16="http://schemas.microsoft.com/office/drawing/2014/main" id="{E42C6D8B-F2B8-4DFE-9E80-9703B387F22F}"/>
-              </a:ext>
-            </a:extLst>
-          </p:cNvPr>
-          <p:cNvSpPr>
-            <a:spLocks noGrp="1"/>
-          </p:cNvSpPr>
-          <p:nvPr>
-            <p:ph type="body" sz="quarter" idx="23"/>
+            <p:ph type="body" sz="quarter" idx="4294967295"/>
           </p:nvPr>
         </p:nvSpPr>
         <p:spPr>
           <a:xfrm>
-            <a:off x="488245" y="3713663"/>
-            <a:ext cx="3698502" cy="173124"/>
+            <a:off x="488245" y="3209607"/>
+            <a:ext cx="5465937" cy="450851"/>
           </a:xfrm>
         </p:spPr>
         <p:txBody>
-          <a:bodyPr/>
-          <a:lstStyle/>
-          <a:p>
-            <a:r>
-              <a:rPr lang="en-US" altLang="zh-CN" dirty="0"/>
-              <a:t>2024/02/04</a:t>
+          <a:bodyPr>
+            <a:normAutofit/>
+          </a:bodyPr>
+          <a:lstStyle/>
+          <a:p>
+            <a:pPr marL="0" indent="0">
+              <a:buNone/>
+            </a:pPr>
+            <a:r>
+              <a:rPr lang="en-US" altLang="zh-CN" sz="2500" dirty="0">
+                <a:solidFill>
+                  <a:srgbClr val="FFFFFF"/>
+                </a:solidFill>
+                <a:latin typeface="理想品牌字体 2022" panose="02000500000000000000" pitchFamily="50" charset="-122"/>
+                <a:ea typeface="理想品牌字体 2022" panose="02000500000000000000" pitchFamily="50" charset="-122"/>
+                <a:cs typeface="理想品牌字体 2022" panose="02000500000000000000" pitchFamily="50" charset="-122"/>
+              </a:rPr>
+              <a:t>{title}</a:t>
+            </a:r>
+          </a:p>
+        </p:txBody>
+      </p:sp>
+      <p:sp>
+        <p:nvSpPr>
+          <p:cNvPr id="5" name="文本占位符 4">
+            <a:extLst>
+              <a:ext uri="{FF2B5EF4-FFF2-40B4-BE49-F238E27FC236}">
+                <a16:creationId xmlns:a16="http://schemas.microsoft.com/office/drawing/2014/main" id="{E42C6D8B-F2B8-4DFE-9E80-9703B387F22F}"/>
+              </a:ext>
+            </a:extLst>
+          </p:cNvPr>
+          <p:cNvSpPr>
+            <a:spLocks noGrp="1"/>
+          </p:cNvSpPr>
+          <p:nvPr>
+            <p:ph type="body" sz="quarter" idx="4294967295"/>
+          </p:nvPr>
+        </p:nvSpPr>
+        <p:spPr>
+          <a:xfrm>
+            <a:off x="488245" y="3667497"/>
+            <a:ext cx="3698502" cy="265457"/>
+          </a:xfrm>
+        </p:spPr>
+        <p:txBody>
+          <a:bodyPr>
+            <a:normAutofit/>
+          </a:bodyPr>
+          <a:lstStyle/>
+          <a:p>
+            <a:pPr marL="0" indent="0">
+              <a:buNone/>
+            </a:pPr>
+            <a:r>
+              <a:rPr lang="en-US" altLang="zh-CN" sz="1130" dirty="0">
+                <a:solidFill>
+                  <a:srgbClr val="FFFFFF"/>
+                </a:solidFill>
+                <a:latin typeface="理想品牌字体 2022" panose="02000500000000000000" pitchFamily="50" charset="-122"/>
+                <a:ea typeface="理想品牌字体 2022" panose="02000500000000000000" pitchFamily="50" charset="-122"/>
+                <a:cs typeface="理想品牌字体 2022" panose="02000500000000000000" pitchFamily="50" charset="-122"/>
+              </a:rPr>
+              <a:t>{date}</a:t>
             </a:r>
           </a:p>
         </p:txBody>

--- a/templates/title_slides.pptx
+++ b/templates/title_slides.pptx
@@ -259,7 +259,7 @@
           <a:p>
             <a:fld id="{2CBA5102-E23D-43B9-8F41-D1BC6E1F36AE}" type="datetimeFigureOut">
               <a:rPr lang="zh-CN" altLang="en-US" smtClean="0"/>
-              <a:t>2025/9/4</a:t>
+              <a:t>2025/9/11</a:t>
             </a:fld>
             <a:endParaRPr lang="zh-CN" altLang="en-US"/>
           </a:p>
@@ -457,7 +457,7 @@
           <a:p>
             <a:fld id="{2CBA5102-E23D-43B9-8F41-D1BC6E1F36AE}" type="datetimeFigureOut">
               <a:rPr lang="zh-CN" altLang="en-US" smtClean="0"/>
-              <a:t>2025/9/4</a:t>
+              <a:t>2025/9/11</a:t>
             </a:fld>
             <a:endParaRPr lang="zh-CN" altLang="en-US"/>
           </a:p>
@@ -665,7 +665,7 @@
           <a:p>
             <a:fld id="{2CBA5102-E23D-43B9-8F41-D1BC6E1F36AE}" type="datetimeFigureOut">
               <a:rPr lang="zh-CN" altLang="en-US" smtClean="0"/>
-              <a:t>2025/9/4</a:t>
+              <a:t>2025/9/11</a:t>
             </a:fld>
             <a:endParaRPr lang="zh-CN" altLang="en-US"/>
           </a:p>
@@ -943,7 +943,7 @@
           <a:p>
             <a:fld id="{2CBA5102-E23D-43B9-8F41-D1BC6E1F36AE}" type="datetimeFigureOut">
               <a:rPr lang="zh-CN" altLang="en-US" smtClean="0"/>
-              <a:t>2025/9/4</a:t>
+              <a:t>2025/9/11</a:t>
             </a:fld>
             <a:endParaRPr lang="zh-CN" altLang="en-US"/>
           </a:p>
@@ -1218,7 +1218,7 @@
           <a:p>
             <a:fld id="{2CBA5102-E23D-43B9-8F41-D1BC6E1F36AE}" type="datetimeFigureOut">
               <a:rPr lang="zh-CN" altLang="en-US" smtClean="0"/>
-              <a:t>2025/9/4</a:t>
+              <a:t>2025/9/11</a:t>
             </a:fld>
             <a:endParaRPr lang="zh-CN" altLang="en-US"/>
           </a:p>
@@ -1483,7 +1483,7 @@
           <a:p>
             <a:fld id="{2CBA5102-E23D-43B9-8F41-D1BC6E1F36AE}" type="datetimeFigureOut">
               <a:rPr lang="zh-CN" altLang="en-US" smtClean="0"/>
-              <a:t>2025/9/4</a:t>
+              <a:t>2025/9/11</a:t>
             </a:fld>
             <a:endParaRPr lang="zh-CN" altLang="en-US"/>
           </a:p>
@@ -1895,7 +1895,7 @@
           <a:p>
             <a:fld id="{2CBA5102-E23D-43B9-8F41-D1BC6E1F36AE}" type="datetimeFigureOut">
               <a:rPr lang="zh-CN" altLang="en-US" smtClean="0"/>
-              <a:t>2025/9/4</a:t>
+              <a:t>2025/9/11</a:t>
             </a:fld>
             <a:endParaRPr lang="zh-CN" altLang="en-US"/>
           </a:p>
@@ -2036,7 +2036,7 @@
           <a:p>
             <a:fld id="{2CBA5102-E23D-43B9-8F41-D1BC6E1F36AE}" type="datetimeFigureOut">
               <a:rPr lang="zh-CN" altLang="en-US" smtClean="0"/>
-              <a:t>2025/9/4</a:t>
+              <a:t>2025/9/11</a:t>
             </a:fld>
             <a:endParaRPr lang="zh-CN" altLang="en-US"/>
           </a:p>
@@ -2149,7 +2149,7 @@
           <a:p>
             <a:fld id="{2CBA5102-E23D-43B9-8F41-D1BC6E1F36AE}" type="datetimeFigureOut">
               <a:rPr lang="zh-CN" altLang="en-US" smtClean="0"/>
-              <a:t>2025/9/4</a:t>
+              <a:t>2025/9/11</a:t>
             </a:fld>
             <a:endParaRPr lang="zh-CN" altLang="en-US"/>
           </a:p>
@@ -2460,7 +2460,7 @@
           <a:p>
             <a:fld id="{2CBA5102-E23D-43B9-8F41-D1BC6E1F36AE}" type="datetimeFigureOut">
               <a:rPr lang="zh-CN" altLang="en-US" smtClean="0"/>
-              <a:t>2025/9/4</a:t>
+              <a:t>2025/9/11</a:t>
             </a:fld>
             <a:endParaRPr lang="zh-CN" altLang="en-US"/>
           </a:p>
@@ -2748,7 +2748,7 @@
           <a:p>
             <a:fld id="{2CBA5102-E23D-43B9-8F41-D1BC6E1F36AE}" type="datetimeFigureOut">
               <a:rPr lang="zh-CN" altLang="en-US" smtClean="0"/>
-              <a:t>2025/9/4</a:t>
+              <a:t>2025/9/11</a:t>
             </a:fld>
             <a:endParaRPr lang="zh-CN" altLang="en-US"/>
           </a:p>
@@ -2989,7 +2989,7 @@
           <a:p>
             <a:fld id="{2CBA5102-E23D-43B9-8F41-D1BC6E1F36AE}" type="datetimeFigureOut">
               <a:rPr lang="zh-CN" altLang="en-US" smtClean="0"/>
-              <a:t>2025/9/4</a:t>
+              <a:t>2025/9/11</a:t>
             </a:fld>
             <a:endParaRPr lang="zh-CN" altLang="en-US"/>
           </a:p>
@@ -3439,6 +3439,17 @@
               <a:buNone/>
             </a:pPr>
             <a:r>
+              <a:rPr lang="en-US" sz="2500" dirty="0">
+                <a:solidFill>
+                  <a:srgbClr val="FFFFFF"/>
+                </a:solidFill>
+                <a:latin typeface="理想品牌字体 2022" panose="02000500000000000000" pitchFamily="50" charset="-122"/>
+                <a:ea typeface="理想品牌字体 2022" panose="02000500000000000000" pitchFamily="50" charset="-122"/>
+                <a:cs typeface="理想品牌字体 2022" panose="02000500000000000000" pitchFamily="50" charset="-122"/>
+              </a:rPr>
+              <a:t>{</a:t>
+            </a:r>
+            <a:r>
               <a:rPr lang="en-US" altLang="zh-CN" sz="2500" dirty="0">
                 <a:solidFill>
                   <a:srgbClr val="FFFFFF"/>
@@ -3447,7 +3458,18 @@
                 <a:ea typeface="理想品牌字体 2022" panose="02000500000000000000" pitchFamily="50" charset="-122"/>
                 <a:cs typeface="理想品牌字体 2022" panose="02000500000000000000" pitchFamily="50" charset="-122"/>
               </a:rPr>
-              <a:t>{title}</a:t>
+              <a:t>title</a:t>
+            </a:r>
+            <a:r>
+              <a:rPr lang="en-US" sz="2500" dirty="0">
+                <a:solidFill>
+                  <a:srgbClr val="FFFFFF"/>
+                </a:solidFill>
+                <a:latin typeface="理想品牌字体 2022" panose="02000500000000000000" pitchFamily="50" charset="-122"/>
+                <a:ea typeface="理想品牌字体 2022" panose="02000500000000000000" pitchFamily="50" charset="-122"/>
+                <a:cs typeface="理想品牌字体 2022" panose="02000500000000000000" pitchFamily="50" charset="-122"/>
+              </a:rPr>
+              <a:t>}</a:t>
             </a:r>
           </a:p>
         </p:txBody>
@@ -3494,6 +3516,14 @@
               </a:rPr>
               <a:t>{date}</a:t>
             </a:r>
+            <a:endParaRPr sz="1130" dirty="0">
+              <a:solidFill>
+                <a:srgbClr val="FFFFFF"/>
+              </a:solidFill>
+              <a:latin typeface="理想品牌字体 2022" panose="02000500000000000000" pitchFamily="50" charset="-122"/>
+              <a:ea typeface="理想品牌字体 2022" panose="02000500000000000000" pitchFamily="50" charset="-122"/>
+              <a:cs typeface="理想品牌字体 2022" panose="02000500000000000000" pitchFamily="50" charset="-122"/>
+            </a:endParaRPr>
           </a:p>
         </p:txBody>
       </p:sp>

--- a/templates/title_slides.pptx
+++ b/templates/title_slides.pptx
@@ -259,7 +259,7 @@
           <a:p>
             <a:fld id="{2CBA5102-E23D-43B9-8F41-D1BC6E1F36AE}" type="datetimeFigureOut">
               <a:rPr lang="zh-CN" altLang="en-US" smtClean="0"/>
-              <a:t>2025/9/11</a:t>
+              <a:t>2025/9/15</a:t>
             </a:fld>
             <a:endParaRPr lang="zh-CN" altLang="en-US"/>
           </a:p>
@@ -457,7 +457,7 @@
           <a:p>
             <a:fld id="{2CBA5102-E23D-43B9-8F41-D1BC6E1F36AE}" type="datetimeFigureOut">
               <a:rPr lang="zh-CN" altLang="en-US" smtClean="0"/>
-              <a:t>2025/9/11</a:t>
+              <a:t>2025/9/15</a:t>
             </a:fld>
             <a:endParaRPr lang="zh-CN" altLang="en-US"/>
           </a:p>
@@ -665,7 +665,7 @@
           <a:p>
             <a:fld id="{2CBA5102-E23D-43B9-8F41-D1BC6E1F36AE}" type="datetimeFigureOut">
               <a:rPr lang="zh-CN" altLang="en-US" smtClean="0"/>
-              <a:t>2025/9/11</a:t>
+              <a:t>2025/9/15</a:t>
             </a:fld>
             <a:endParaRPr lang="zh-CN" altLang="en-US"/>
           </a:p>
@@ -943,7 +943,7 @@
           <a:p>
             <a:fld id="{2CBA5102-E23D-43B9-8F41-D1BC6E1F36AE}" type="datetimeFigureOut">
               <a:rPr lang="zh-CN" altLang="en-US" smtClean="0"/>
-              <a:t>2025/9/11</a:t>
+              <a:t>2025/9/15</a:t>
             </a:fld>
             <a:endParaRPr lang="zh-CN" altLang="en-US"/>
           </a:p>
@@ -1218,7 +1218,7 @@
           <a:p>
             <a:fld id="{2CBA5102-E23D-43B9-8F41-D1BC6E1F36AE}" type="datetimeFigureOut">
               <a:rPr lang="zh-CN" altLang="en-US" smtClean="0"/>
-              <a:t>2025/9/11</a:t>
+              <a:t>2025/9/15</a:t>
             </a:fld>
             <a:endParaRPr lang="zh-CN" altLang="en-US"/>
           </a:p>
@@ -1483,7 +1483,7 @@
           <a:p>
             <a:fld id="{2CBA5102-E23D-43B9-8F41-D1BC6E1F36AE}" type="datetimeFigureOut">
               <a:rPr lang="zh-CN" altLang="en-US" smtClean="0"/>
-              <a:t>2025/9/11</a:t>
+              <a:t>2025/9/15</a:t>
             </a:fld>
             <a:endParaRPr lang="zh-CN" altLang="en-US"/>
           </a:p>
@@ -1895,7 +1895,7 @@
           <a:p>
             <a:fld id="{2CBA5102-E23D-43B9-8F41-D1BC6E1F36AE}" type="datetimeFigureOut">
               <a:rPr lang="zh-CN" altLang="en-US" smtClean="0"/>
-              <a:t>2025/9/11</a:t>
+              <a:t>2025/9/15</a:t>
             </a:fld>
             <a:endParaRPr lang="zh-CN" altLang="en-US"/>
           </a:p>
@@ -2036,7 +2036,7 @@
           <a:p>
             <a:fld id="{2CBA5102-E23D-43B9-8F41-D1BC6E1F36AE}" type="datetimeFigureOut">
               <a:rPr lang="zh-CN" altLang="en-US" smtClean="0"/>
-              <a:t>2025/9/11</a:t>
+              <a:t>2025/9/15</a:t>
             </a:fld>
             <a:endParaRPr lang="zh-CN" altLang="en-US"/>
           </a:p>
@@ -2149,7 +2149,7 @@
           <a:p>
             <a:fld id="{2CBA5102-E23D-43B9-8F41-D1BC6E1F36AE}" type="datetimeFigureOut">
               <a:rPr lang="zh-CN" altLang="en-US" smtClean="0"/>
-              <a:t>2025/9/11</a:t>
+              <a:t>2025/9/15</a:t>
             </a:fld>
             <a:endParaRPr lang="zh-CN" altLang="en-US"/>
           </a:p>
@@ -2460,7 +2460,7 @@
           <a:p>
             <a:fld id="{2CBA5102-E23D-43B9-8F41-D1BC6E1F36AE}" type="datetimeFigureOut">
               <a:rPr lang="zh-CN" altLang="en-US" smtClean="0"/>
-              <a:t>2025/9/11</a:t>
+              <a:t>2025/9/15</a:t>
             </a:fld>
             <a:endParaRPr lang="zh-CN" altLang="en-US"/>
           </a:p>
@@ -2748,7 +2748,7 @@
           <a:p>
             <a:fld id="{2CBA5102-E23D-43B9-8F41-D1BC6E1F36AE}" type="datetimeFigureOut">
               <a:rPr lang="zh-CN" altLang="en-US" smtClean="0"/>
-              <a:t>2025/9/11</a:t>
+              <a:t>2025/9/15</a:t>
             </a:fld>
             <a:endParaRPr lang="zh-CN" altLang="en-US"/>
           </a:p>
@@ -2989,7 +2989,7 @@
           <a:p>
             <a:fld id="{2CBA5102-E23D-43B9-8F41-D1BC6E1F36AE}" type="datetimeFigureOut">
               <a:rPr lang="zh-CN" altLang="en-US" smtClean="0"/>
-              <a:t>2025/9/11</a:t>
+              <a:t>2025/9/15</a:t>
             </a:fld>
             <a:endParaRPr lang="zh-CN" altLang="en-US"/>
           </a:p>
@@ -3506,6 +3506,28 @@
               <a:buNone/>
             </a:pPr>
             <a:r>
+              <a:rPr lang="en-US" sz="1130" dirty="0">
+                <a:solidFill>
+                  <a:srgbClr val="FFFFFF"/>
+                </a:solidFill>
+                <a:latin typeface="理想品牌字体 2022" panose="02000500000000000000" pitchFamily="50" charset="-122"/>
+                <a:ea typeface="理想品牌字体 2022" panose="02000500000000000000" pitchFamily="50" charset="-122"/>
+                <a:cs typeface="理想品牌字体 2022" panose="02000500000000000000" pitchFamily="50" charset="-122"/>
+              </a:rPr>
+              <a:t>XXXX</a:t>
+            </a:r>
+            <a:r>
+              <a:rPr lang="zh-CN" altLang="en-US" sz="1130" dirty="0">
+                <a:solidFill>
+                  <a:srgbClr val="FFFFFF"/>
+                </a:solidFill>
+                <a:latin typeface="理想品牌字体 2022" panose="02000500000000000000" pitchFamily="50" charset="-122"/>
+                <a:ea typeface="理想品牌字体 2022" panose="02000500000000000000" pitchFamily="50" charset="-122"/>
+                <a:cs typeface="理想品牌字体 2022" panose="02000500000000000000" pitchFamily="50" charset="-122"/>
+              </a:rPr>
+              <a:t>年</a:t>
+            </a:r>
+            <a:r>
               <a:rPr lang="en-US" altLang="zh-CN" sz="1130" dirty="0">
                 <a:solidFill>
                   <a:srgbClr val="FFFFFF"/>
@@ -3514,7 +3536,18 @@
                 <a:ea typeface="理想品牌字体 2022" panose="02000500000000000000" pitchFamily="50" charset="-122"/>
                 <a:cs typeface="理想品牌字体 2022" panose="02000500000000000000" pitchFamily="50" charset="-122"/>
               </a:rPr>
-              <a:t>{date}</a:t>
+              <a:t>X</a:t>
+            </a:r>
+            <a:r>
+              <a:rPr lang="zh-CN" altLang="en-US" sz="1130" dirty="0">
+                <a:solidFill>
+                  <a:srgbClr val="FFFFFF"/>
+                </a:solidFill>
+                <a:latin typeface="理想品牌字体 2022" panose="02000500000000000000" pitchFamily="50" charset="-122"/>
+                <a:ea typeface="理想品牌字体 2022" panose="02000500000000000000" pitchFamily="50" charset="-122"/>
+                <a:cs typeface="理想品牌字体 2022" panose="02000500000000000000" pitchFamily="50" charset="-122"/>
+              </a:rPr>
+              <a:t>月</a:t>
             </a:r>
             <a:endParaRPr sz="1130" dirty="0">
               <a:solidFill>
